--- a/Brouchers/tirecheck.pptx
+++ b/Brouchers/tirecheck.pptx
@@ -261,7 +261,7 @@
           <a:p>
             <a:fld id="{BA16502B-60EA-416E-9008-660AD02C2E7F}" type="datetimeFigureOut">
               <a:rPr lang="en-ZA" smtClean="0"/>
-              <a:t>2023/10/20</a:t>
+              <a:t>2023/10/22</a:t>
             </a:fld>
             <a:endParaRPr lang="en-ZA"/>
           </a:p>
@@ -461,7 +461,7 @@
           <a:p>
             <a:fld id="{BA16502B-60EA-416E-9008-660AD02C2E7F}" type="datetimeFigureOut">
               <a:rPr lang="en-ZA" smtClean="0"/>
-              <a:t>2023/10/20</a:t>
+              <a:t>2023/10/22</a:t>
             </a:fld>
             <a:endParaRPr lang="en-ZA"/>
           </a:p>
@@ -671,7 +671,7 @@
           <a:p>
             <a:fld id="{BA16502B-60EA-416E-9008-660AD02C2E7F}" type="datetimeFigureOut">
               <a:rPr lang="en-ZA" smtClean="0"/>
-              <a:t>2023/10/20</a:t>
+              <a:t>2023/10/22</a:t>
             </a:fld>
             <a:endParaRPr lang="en-ZA"/>
           </a:p>
@@ -871,7 +871,7 @@
           <a:p>
             <a:fld id="{BA16502B-60EA-416E-9008-660AD02C2E7F}" type="datetimeFigureOut">
               <a:rPr lang="en-ZA" smtClean="0"/>
-              <a:t>2023/10/20</a:t>
+              <a:t>2023/10/22</a:t>
             </a:fld>
             <a:endParaRPr lang="en-ZA"/>
           </a:p>
@@ -1147,7 +1147,7 @@
           <a:p>
             <a:fld id="{BA16502B-60EA-416E-9008-660AD02C2E7F}" type="datetimeFigureOut">
               <a:rPr lang="en-ZA" smtClean="0"/>
-              <a:t>2023/10/20</a:t>
+              <a:t>2023/10/22</a:t>
             </a:fld>
             <a:endParaRPr lang="en-ZA"/>
           </a:p>
@@ -1415,7 +1415,7 @@
           <a:p>
             <a:fld id="{BA16502B-60EA-416E-9008-660AD02C2E7F}" type="datetimeFigureOut">
               <a:rPr lang="en-ZA" smtClean="0"/>
-              <a:t>2023/10/20</a:t>
+              <a:t>2023/10/22</a:t>
             </a:fld>
             <a:endParaRPr lang="en-ZA"/>
           </a:p>
@@ -1830,7 +1830,7 @@
           <a:p>
             <a:fld id="{BA16502B-60EA-416E-9008-660AD02C2E7F}" type="datetimeFigureOut">
               <a:rPr lang="en-ZA" smtClean="0"/>
-              <a:t>2023/10/20</a:t>
+              <a:t>2023/10/22</a:t>
             </a:fld>
             <a:endParaRPr lang="en-ZA"/>
           </a:p>
@@ -1972,7 +1972,7 @@
           <a:p>
             <a:fld id="{BA16502B-60EA-416E-9008-660AD02C2E7F}" type="datetimeFigureOut">
               <a:rPr lang="en-ZA" smtClean="0"/>
-              <a:t>2023/10/20</a:t>
+              <a:t>2023/10/22</a:t>
             </a:fld>
             <a:endParaRPr lang="en-ZA"/>
           </a:p>
@@ -2085,7 +2085,7 @@
           <a:p>
             <a:fld id="{BA16502B-60EA-416E-9008-660AD02C2E7F}" type="datetimeFigureOut">
               <a:rPr lang="en-ZA" smtClean="0"/>
-              <a:t>2023/10/20</a:t>
+              <a:t>2023/10/22</a:t>
             </a:fld>
             <a:endParaRPr lang="en-ZA"/>
           </a:p>
@@ -2398,7 +2398,7 @@
           <a:p>
             <a:fld id="{BA16502B-60EA-416E-9008-660AD02C2E7F}" type="datetimeFigureOut">
               <a:rPr lang="en-ZA" smtClean="0"/>
-              <a:t>2023/10/20</a:t>
+              <a:t>2023/10/22</a:t>
             </a:fld>
             <a:endParaRPr lang="en-ZA"/>
           </a:p>
@@ -2687,7 +2687,7 @@
           <a:p>
             <a:fld id="{BA16502B-60EA-416E-9008-660AD02C2E7F}" type="datetimeFigureOut">
               <a:rPr lang="en-ZA" smtClean="0"/>
-              <a:t>2023/10/20</a:t>
+              <a:t>2023/10/22</a:t>
             </a:fld>
             <a:endParaRPr lang="en-ZA"/>
           </a:p>
@@ -2930,7 +2930,7 @@
           <a:p>
             <a:fld id="{BA16502B-60EA-416E-9008-660AD02C2E7F}" type="datetimeFigureOut">
               <a:rPr lang="en-ZA" smtClean="0"/>
-              <a:t>2023/10/20</a:t>
+              <a:t>2023/10/22</a:t>
             </a:fld>
             <a:endParaRPr lang="en-ZA"/>
           </a:p>
@@ -3374,9 +3374,9 @@
           </a:stretch>
         </p:blipFill>
         <p:spPr>
-          <a:xfrm>
-            <a:off x="228328" y="267730"/>
-            <a:ext cx="11807371" cy="6858000"/>
+          <a:xfrm rot="16200000">
+            <a:off x="4136419" y="355054"/>
+            <a:ext cx="4671727" cy="6858000"/>
           </a:xfrm>
           <a:prstGeom prst="rect">
             <a:avLst/>
@@ -3411,17 +3411,21 @@
         </p:blipFill>
         <p:spPr>
           <a:xfrm>
-            <a:off x="12102" y="126180"/>
-            <a:ext cx="6150248" cy="2780039"/>
+            <a:off x="0" y="193882"/>
+            <a:ext cx="5139421" cy="2521501"/>
           </a:xfrm>
           <a:prstGeom prst="rect">
             <a:avLst/>
           </a:prstGeom>
           <a:ln>
-            <a:noFill/>
+            <a:solidFill>
+              <a:schemeClr val="bg2">
+                <a:lumMod val="25000"/>
+              </a:schemeClr>
+            </a:solidFill>
           </a:ln>
           <a:effectLst>
-            <a:softEdge rad="112500"/>
+            <a:softEdge rad="317500"/>
           </a:effectLst>
         </p:spPr>
       </p:pic>
@@ -3440,7 +3444,7 @@
         <p:spPr>
           <a:xfrm>
             <a:off x="9646104" y="305263"/>
-            <a:ext cx="3185886" cy="2062103"/>
+            <a:ext cx="3185886" cy="1661993"/>
           </a:xfrm>
           <a:prstGeom prst="rect">
             <a:avLst/>
@@ -3454,7 +3458,7 @@
           <a:lstStyle/>
           <a:p>
             <a:r>
-              <a:rPr lang="en-ZA" sz="2000" b="1" i="0" dirty="0">
+              <a:rPr lang="en-ZA" sz="1200" b="1" i="0" dirty="0">
                 <a:effectLst/>
                 <a:latin typeface="-apple-system"/>
                 <a:hlinkClick r:id="rId4">
@@ -3470,7 +3474,7 @@
           </a:p>
           <a:p>
             <a:r>
-              <a:rPr lang="en-ZA" b="0" i="0" dirty="0">
+              <a:rPr lang="en-ZA" sz="1200" b="0" i="0" dirty="0">
                 <a:solidFill>
                   <a:srgbClr val="0563C1"/>
                 </a:solidFill>
@@ -3486,7 +3490,7 @@
               </a:rPr>
               <a:t>lebogang@lebili.co.za</a:t>
             </a:r>
-            <a:endParaRPr lang="en-ZA" b="0" i="0" dirty="0">
+            <a:endParaRPr lang="en-ZA" sz="1200" b="0" i="0" dirty="0">
               <a:solidFill>
                 <a:srgbClr val="212529"/>
               </a:solidFill>
@@ -3496,7 +3500,7 @@
           </a:p>
           <a:p>
             <a:r>
-              <a:rPr lang="en-ZA" b="0" i="0" dirty="0">
+              <a:rPr lang="en-ZA" sz="1200" b="0" i="0" dirty="0">
                 <a:solidFill>
                   <a:srgbClr val="212529"/>
                 </a:solidFill>
@@ -3506,7 +3510,7 @@
               <a:t>+27 79 948 3076</a:t>
             </a:r>
             <a:r>
-              <a:rPr lang="en-ZA" dirty="0">
+              <a:rPr lang="en-ZA" sz="1200" dirty="0">
                 <a:solidFill>
                   <a:srgbClr val="212529"/>
                 </a:solidFill>
@@ -3517,7 +3521,7 @@
           </a:p>
           <a:p>
             <a:r>
-              <a:rPr lang="en-ZA" dirty="0">
+              <a:rPr lang="en-ZA" sz="1200" dirty="0">
                 <a:solidFill>
                   <a:srgbClr val="212529"/>
                 </a:solidFill>
@@ -3526,7 +3530,7 @@
               </a:rPr>
               <a:t>www.lebili.com</a:t>
             </a:r>
-            <a:endParaRPr lang="en-ZA" dirty="0">
+            <a:endParaRPr lang="en-ZA" sz="1200" dirty="0">
               <a:solidFill>
                 <a:srgbClr val="212529"/>
               </a:solidFill>
@@ -3652,162 +3656,6 @@
               <a:t>industrial park</a:t>
             </a:r>
             <a:endParaRPr lang="en-ZA" sz="1400" dirty="0"/>
-          </a:p>
-        </p:txBody>
-      </p:sp>
-      <p:sp>
-        <p:nvSpPr>
-          <p:cNvPr id="25" name="TextBox 24">
-            <a:extLst>
-              <a:ext uri="{FF2B5EF4-FFF2-40B4-BE49-F238E27FC236}">
-                <a16:creationId xmlns:a16="http://schemas.microsoft.com/office/drawing/2014/main" id="{B773441E-199F-A18B-4C96-3280CB6F2287}"/>
-              </a:ext>
-            </a:extLst>
-          </p:cNvPr>
-          <p:cNvSpPr txBox="1"/>
-          <p:nvPr/>
-        </p:nvSpPr>
-        <p:spPr>
-          <a:xfrm>
-            <a:off x="228328" y="2534379"/>
-            <a:ext cx="8567154" cy="3917718"/>
-          </a:xfrm>
-          <a:prstGeom prst="rect">
-            <a:avLst/>
-          </a:prstGeom>
-          <a:noFill/>
-        </p:spPr>
-        <p:txBody>
-          <a:bodyPr wrap="square">
-            <a:spAutoFit/>
-          </a:bodyPr>
-          <a:lstStyle/>
-          <a:p>
-            <a:pPr algn="l"/>
-            <a:endParaRPr lang="en-ZA" sz="1800" b="0" i="0" u="none" strike="noStrike" baseline="0" dirty="0">
-              <a:solidFill>
-                <a:srgbClr val="000000"/>
-              </a:solidFill>
-              <a:latin typeface="Arial Rounded MT Bold" panose="020F0704030504030204" pitchFamily="34" charset="0"/>
-            </a:endParaRPr>
-          </a:p>
-          <a:p>
-            <a:endParaRPr lang="en-ZA" sz="1800" b="0" i="0" u="none" strike="noStrike" baseline="0" dirty="0">
-              <a:latin typeface="Arial Rounded MT Bold" panose="020F0704030504030204" pitchFamily="34" charset="0"/>
-            </a:endParaRPr>
-          </a:p>
-          <a:p>
-            <a:r>
-              <a:rPr lang="en-US" sz="1800" b="0" i="0" u="none" strike="noStrike" baseline="0" dirty="0">
-                <a:latin typeface="Arial Rounded MT Bold" panose="020F0704030504030204" pitchFamily="34" charset="0"/>
-              </a:rPr>
-              <a:t> Mining operations demand reliability, safety, and efficiency. Your tires play a critical role in achieving these goals. Ensure the longevity and performance of your mining equipment with comprehensive tire check solutions tailored to the unique challenges of mining environments.</a:t>
-            </a:r>
-            <a:endParaRPr lang="en-US" sz="1600" b="1" dirty="0">
-              <a:latin typeface="Arial Rounded MT Bold" panose="020F0704030504030204" pitchFamily="34" charset="0"/>
-              <a:ea typeface="ADLaM Display" panose="020F0502020204030204" pitchFamily="2" charset="0"/>
-              <a:cs typeface="ADLaM Display" panose="020F0502020204030204" pitchFamily="2" charset="0"/>
-            </a:endParaRPr>
-          </a:p>
-          <a:p>
-            <a:endParaRPr lang="en-ZA" sz="1800" b="0" i="0" u="none" strike="noStrike" baseline="0" dirty="0">
-              <a:latin typeface="Arial Rounded MT Bold" panose="020F0704030504030204" pitchFamily="34" charset="0"/>
-            </a:endParaRPr>
-          </a:p>
-          <a:p>
-            <a:r>
-              <a:rPr lang="en-ZA" sz="1800" b="1" i="0" u="none" strike="noStrike" baseline="0" dirty="0">
-                <a:latin typeface="Arial Rounded MT Bold" panose="020F0704030504030204" pitchFamily="34" charset="0"/>
-              </a:rPr>
-              <a:t> Our package includes:</a:t>
-            </a:r>
-          </a:p>
-          <a:p>
-            <a:pPr marL="285750" indent="-285750">
-              <a:buFont typeface="Wingdings" panose="05000000000000000000" pitchFamily="2" charset="2"/>
-              <a:buChar char="q"/>
-            </a:pPr>
-            <a:r>
-              <a:rPr lang="en-ZA" sz="1800" b="1" i="0" u="none" strike="noStrike" baseline="0" dirty="0">
-                <a:latin typeface="Calibri" panose="020F0502020204030204" pitchFamily="34" charset="0"/>
-              </a:rPr>
-              <a:t>Wheel alignment</a:t>
-            </a:r>
-            <a:endParaRPr lang="en-ZA" sz="1800" b="0" i="0" u="none" strike="noStrike" baseline="0" dirty="0">
-              <a:latin typeface="Calibri" panose="020F0502020204030204" pitchFamily="34" charset="0"/>
-            </a:endParaRPr>
-          </a:p>
-          <a:p>
-            <a:pPr marL="285750" indent="-285750">
-              <a:buFont typeface="Wingdings" panose="05000000000000000000" pitchFamily="2" charset="2"/>
-              <a:buChar char="q"/>
-            </a:pPr>
-            <a:r>
-              <a:rPr lang="en-ZA" sz="1800" b="1" i="0" u="none" strike="noStrike" baseline="0" dirty="0">
-                <a:latin typeface="Calibri" panose="020F0502020204030204" pitchFamily="34" charset="0"/>
-              </a:rPr>
-              <a:t>Tire inspection and repair</a:t>
-            </a:r>
-            <a:endParaRPr lang="en-ZA" sz="1800" b="0" i="0" u="none" strike="noStrike" baseline="0" dirty="0">
-              <a:latin typeface="Calibri" panose="020F0502020204030204" pitchFamily="34" charset="0"/>
-            </a:endParaRPr>
-          </a:p>
-          <a:p>
-            <a:pPr marL="285750" indent="-285750">
-              <a:buFont typeface="Wingdings" panose="05000000000000000000" pitchFamily="2" charset="2"/>
-              <a:buChar char="q"/>
-            </a:pPr>
-            <a:r>
-              <a:rPr lang="en-ZA" sz="1800" b="1" i="0" u="none" strike="noStrike" baseline="0" dirty="0">
-                <a:latin typeface="Calibri" panose="020F0502020204030204" pitchFamily="34" charset="0"/>
-              </a:rPr>
-              <a:t>Consultation services</a:t>
-            </a:r>
-            <a:endParaRPr lang="en-ZA" sz="1800" b="0" i="0" u="none" strike="noStrike" baseline="0" dirty="0">
-              <a:latin typeface="Calibri" panose="020F0502020204030204" pitchFamily="34" charset="0"/>
-            </a:endParaRPr>
-          </a:p>
-          <a:p>
-            <a:pPr marL="285750" indent="-285750">
-              <a:buFont typeface="Wingdings" panose="05000000000000000000" pitchFamily="2" charset="2"/>
-              <a:buChar char="q"/>
-            </a:pPr>
-            <a:r>
-              <a:rPr lang="en-ZA" sz="1800" b="1" i="0" u="none" strike="noStrike" baseline="0" dirty="0">
-                <a:latin typeface="Calibri" panose="020F0502020204030204" pitchFamily="34" charset="0"/>
-              </a:rPr>
-              <a:t>Thread Depth Analysis</a:t>
-            </a:r>
-            <a:endParaRPr lang="en-ZA" sz="1800" b="0" i="0" u="none" strike="noStrike" baseline="0" dirty="0">
-              <a:latin typeface="Calibri" panose="020F0502020204030204" pitchFamily="34" charset="0"/>
-            </a:endParaRPr>
-          </a:p>
-          <a:p>
-            <a:pPr marL="285750" indent="-285750">
-              <a:buFont typeface="Wingdings" panose="05000000000000000000" pitchFamily="2" charset="2"/>
-              <a:buChar char="q"/>
-            </a:pPr>
-            <a:r>
-              <a:rPr lang="en-ZA" sz="1800" b="1" i="0" u="none" strike="noStrike" baseline="0" dirty="0">
-                <a:latin typeface="Calibri" panose="020F0502020204030204" pitchFamily="34" charset="0"/>
-              </a:rPr>
-              <a:t>Pressure monitoring</a:t>
-            </a:r>
-            <a:endParaRPr lang="en-ZA" sz="1800" b="0" i="0" u="none" strike="noStrike" baseline="0" dirty="0">
-              <a:latin typeface="Calibri" panose="020F0502020204030204" pitchFamily="34" charset="0"/>
-            </a:endParaRPr>
-          </a:p>
-          <a:p>
-            <a:pPr marL="285750" indent="-285750">
-              <a:buFont typeface="Wingdings" panose="05000000000000000000" pitchFamily="2" charset="2"/>
-              <a:buChar char="q"/>
-            </a:pPr>
-            <a:endParaRPr lang="en-US" sz="1600" b="1" i="0" dirty="0">
-              <a:effectLst/>
-              <a:latin typeface="Arial Rounded MT Bold" panose="020F0704030504030204" pitchFamily="34" charset="0"/>
-              <a:ea typeface="ADLaM Display" panose="020F0502020204030204" pitchFamily="2" charset="0"/>
-              <a:cs typeface="ADLaM Display" panose="020F0502020204030204" pitchFamily="2" charset="0"/>
-            </a:endParaRPr>
           </a:p>
         </p:txBody>
       </p:sp>
@@ -3860,7 +3708,7 @@
         </p:nvSpPr>
         <p:spPr>
           <a:xfrm>
-            <a:off x="4191417" y="2409176"/>
+            <a:off x="3759284" y="2717044"/>
             <a:ext cx="5047668" cy="769441"/>
           </a:xfrm>
           <a:prstGeom prst="rect">
@@ -3883,7 +3731,7 @@
               </a:spcBef>
             </a:pPr>
             <a:r>
-              <a:rPr lang="en-ZA" sz="4400" u="heavy" spc="-5" dirty="0">
+              <a:rPr lang="en-ZA" sz="4400" b="1" u="heavy" spc="-5" dirty="0">
                 <a:uFill>
                   <a:solidFill>
                     <a:srgbClr val="000000"/>
@@ -3894,7 +3742,7 @@
               </a:rPr>
               <a:t>Tire Check</a:t>
             </a:r>
-            <a:endParaRPr lang="en-ZA" sz="4400" dirty="0">
+            <a:endParaRPr lang="en-ZA" sz="4400" b="1" dirty="0">
               <a:latin typeface="Times New Roman"/>
               <a:cs typeface="Times New Roman"/>
             </a:endParaRPr>
@@ -3903,10 +3751,10 @@
       </p:sp>
       <p:sp>
         <p:nvSpPr>
-          <p:cNvPr id="4" name="TextBox 3">
-            <a:extLst>
-              <a:ext uri="{FF2B5EF4-FFF2-40B4-BE49-F238E27FC236}">
-                <a16:creationId xmlns:a16="http://schemas.microsoft.com/office/drawing/2014/main" id="{D3774F62-5BD3-8F66-7F0A-37D095EC2899}"/>
+          <p:cNvPr id="2" name="TextBox 1">
+            <a:extLst>
+              <a:ext uri="{FF2B5EF4-FFF2-40B4-BE49-F238E27FC236}">
+                <a16:creationId xmlns:a16="http://schemas.microsoft.com/office/drawing/2014/main" id="{B0A35851-2FEF-EB84-C388-A585149607C3}"/>
               </a:ext>
             </a:extLst>
           </p:cNvPr>
@@ -3915,8 +3763,8 @@
         </p:nvSpPr>
         <p:spPr>
           <a:xfrm>
-            <a:off x="5824221" y="4222765"/>
-            <a:ext cx="2638425" cy="646331"/>
+            <a:off x="527631" y="3388047"/>
+            <a:ext cx="8567154" cy="2893100"/>
           </a:xfrm>
           <a:prstGeom prst="rect">
             <a:avLst/>
@@ -3924,40 +3772,151 @@
           <a:noFill/>
         </p:spPr>
         <p:txBody>
-          <a:bodyPr wrap="square" rtlCol="0">
+          <a:bodyPr wrap="square">
             <a:spAutoFit/>
           </a:bodyPr>
           <a:lstStyle/>
           <a:p>
-            <a:pPr marL="299085" indent="-287020">
-              <a:lnSpc>
-                <a:spcPct val="100000"/>
-              </a:lnSpc>
-              <a:spcBef>
-                <a:spcPts val="95"/>
-              </a:spcBef>
-              <a:buFont typeface="Wingdings"/>
-              <a:buChar char=""/>
-              <a:tabLst>
-                <a:tab pos="299720" algn="l"/>
-              </a:tabLst>
+            <a:pPr algn="l"/>
+            <a:endParaRPr lang="en-ZA" sz="1400" b="0" i="0" u="none" strike="noStrike" baseline="0" dirty="0">
+              <a:solidFill>
+                <a:srgbClr val="000000"/>
+              </a:solidFill>
+              <a:latin typeface="Arial Rounded MT Bold" panose="020F0704030504030204" pitchFamily="34" charset="0"/>
+            </a:endParaRPr>
+          </a:p>
+          <a:p>
+            <a:endParaRPr lang="en-ZA" sz="1400" b="0" i="0" u="none" strike="noStrike" baseline="0" dirty="0">
+              <a:latin typeface="Arial Rounded MT Bold" panose="020F0704030504030204" pitchFamily="34" charset="0"/>
+            </a:endParaRPr>
+          </a:p>
+          <a:p>
+            <a:r>
+              <a:rPr lang="en-US" sz="1400" b="0" i="0" u="none" strike="noStrike" baseline="0">
+                <a:latin typeface="Arial Rounded MT Bold" panose="020F0704030504030204" pitchFamily="34" charset="0"/>
+              </a:rPr>
+              <a:t>Mining </a:t>
+            </a:r>
+            <a:r>
+              <a:rPr lang="en-US" sz="1400" b="0" i="0" u="none" strike="noStrike" baseline="0" dirty="0">
+                <a:latin typeface="Arial Rounded MT Bold" panose="020F0704030504030204" pitchFamily="34" charset="0"/>
+              </a:rPr>
+              <a:t>operations demand reliability, safety, and efficiency. Your tires play a critical role in achieving these goals. Ensure the longevity and performance of your mining equipment with comprehensive tire check solutions tailored to the unique challenges of mining environments.</a:t>
+            </a:r>
+            <a:endParaRPr lang="en-US" sz="1400" b="1" dirty="0">
+              <a:latin typeface="Arial Rounded MT Bold" panose="020F0704030504030204" pitchFamily="34" charset="0"/>
+              <a:ea typeface="ADLaM Display" panose="020F0502020204030204" pitchFamily="2" charset="0"/>
+              <a:cs typeface="ADLaM Display" panose="020F0502020204030204" pitchFamily="2" charset="0"/>
+            </a:endParaRPr>
+          </a:p>
+          <a:p>
+            <a:endParaRPr lang="en-ZA" sz="1400" b="0" i="0" u="none" strike="noStrike" baseline="0" dirty="0">
+              <a:latin typeface="Arial Rounded MT Bold" panose="020F0704030504030204" pitchFamily="34" charset="0"/>
+            </a:endParaRPr>
+          </a:p>
+          <a:p>
+            <a:r>
+              <a:rPr lang="en-ZA" sz="1400" b="1" i="0" u="none" strike="noStrike" baseline="0" dirty="0">
+                <a:latin typeface="Arial Rounded MT Bold" panose="020F0704030504030204" pitchFamily="34" charset="0"/>
+              </a:rPr>
+              <a:t> Our package includes:</a:t>
+            </a:r>
+          </a:p>
+          <a:p>
+            <a:pPr marL="285750" indent="-285750">
+              <a:buFont typeface="Wingdings" panose="05000000000000000000" pitchFamily="2" charset="2"/>
+              <a:buChar char="q"/>
             </a:pPr>
-            <a:endParaRPr lang="en-US" sz="1800" spc="60" dirty="0">
-              <a:latin typeface="Arial MT"/>
-              <a:cs typeface="Arial MT"/>
+            <a:r>
+              <a:rPr lang="en-ZA" sz="1400" b="1" i="0" u="none" strike="noStrike" baseline="0" dirty="0">
+                <a:latin typeface="Calibri" panose="020F0502020204030204" pitchFamily="34" charset="0"/>
+              </a:rPr>
+              <a:t>Wheel alignment</a:t>
+            </a:r>
+            <a:endParaRPr lang="en-ZA" sz="1400" b="0" i="0" u="none" strike="noStrike" baseline="0" dirty="0">
+              <a:latin typeface="Calibri" panose="020F0502020204030204" pitchFamily="34" charset="0"/>
             </a:endParaRPr>
           </a:p>
           <a:p>
-            <a:endParaRPr lang="en-ZA" dirty="0"/>
+            <a:pPr marL="285750" indent="-285750">
+              <a:buFont typeface="Wingdings" panose="05000000000000000000" pitchFamily="2" charset="2"/>
+              <a:buChar char="q"/>
+            </a:pPr>
+            <a:r>
+              <a:rPr lang="en-ZA" sz="1400" b="1" i="0" u="none" strike="noStrike" baseline="0" dirty="0">
+                <a:latin typeface="Calibri" panose="020F0502020204030204" pitchFamily="34" charset="0"/>
+              </a:rPr>
+              <a:t>Tire inspection and repair</a:t>
+            </a:r>
+            <a:endParaRPr lang="en-ZA" sz="1400" b="0" i="0" u="none" strike="noStrike" baseline="0" dirty="0">
+              <a:latin typeface="Calibri" panose="020F0502020204030204" pitchFamily="34" charset="0"/>
+            </a:endParaRPr>
+          </a:p>
+          <a:p>
+            <a:pPr marL="285750" indent="-285750">
+              <a:buFont typeface="Wingdings" panose="05000000000000000000" pitchFamily="2" charset="2"/>
+              <a:buChar char="q"/>
+            </a:pPr>
+            <a:r>
+              <a:rPr lang="en-ZA" sz="1400" b="1" i="0" u="none" strike="noStrike" baseline="0" dirty="0">
+                <a:latin typeface="Calibri" panose="020F0502020204030204" pitchFamily="34" charset="0"/>
+              </a:rPr>
+              <a:t>Consultation services</a:t>
+            </a:r>
+            <a:endParaRPr lang="en-ZA" sz="1400" b="0" i="0" u="none" strike="noStrike" baseline="0" dirty="0">
+              <a:latin typeface="Calibri" panose="020F0502020204030204" pitchFamily="34" charset="0"/>
+            </a:endParaRPr>
+          </a:p>
+          <a:p>
+            <a:pPr marL="285750" indent="-285750">
+              <a:buFont typeface="Wingdings" panose="05000000000000000000" pitchFamily="2" charset="2"/>
+              <a:buChar char="q"/>
+            </a:pPr>
+            <a:r>
+              <a:rPr lang="en-ZA" sz="1400" b="1" i="0" u="none" strike="noStrike" baseline="0" dirty="0">
+                <a:latin typeface="Calibri" panose="020F0502020204030204" pitchFamily="34" charset="0"/>
+              </a:rPr>
+              <a:t>Thread Depth Analysis</a:t>
+            </a:r>
+            <a:endParaRPr lang="en-ZA" sz="1400" b="0" i="0" u="none" strike="noStrike" baseline="0" dirty="0">
+              <a:latin typeface="Calibri" panose="020F0502020204030204" pitchFamily="34" charset="0"/>
+            </a:endParaRPr>
+          </a:p>
+          <a:p>
+            <a:pPr marL="285750" indent="-285750">
+              <a:buFont typeface="Wingdings" panose="05000000000000000000" pitchFamily="2" charset="2"/>
+              <a:buChar char="q"/>
+            </a:pPr>
+            <a:r>
+              <a:rPr lang="en-ZA" sz="1400" b="1" i="0" u="none" strike="noStrike" baseline="0" dirty="0">
+                <a:latin typeface="Calibri" panose="020F0502020204030204" pitchFamily="34" charset="0"/>
+              </a:rPr>
+              <a:t>Pressure monitoring</a:t>
+            </a:r>
+            <a:endParaRPr lang="en-ZA" sz="1400" b="0" i="0" u="none" strike="noStrike" baseline="0" dirty="0">
+              <a:latin typeface="Calibri" panose="020F0502020204030204" pitchFamily="34" charset="0"/>
+            </a:endParaRPr>
+          </a:p>
+          <a:p>
+            <a:pPr marL="285750" indent="-285750">
+              <a:buFont typeface="Wingdings" panose="05000000000000000000" pitchFamily="2" charset="2"/>
+              <a:buChar char="q"/>
+            </a:pPr>
+            <a:endParaRPr lang="en-US" sz="1400" b="1" i="0" dirty="0">
+              <a:effectLst/>
+              <a:latin typeface="Arial Rounded MT Bold" panose="020F0704030504030204" pitchFamily="34" charset="0"/>
+              <a:ea typeface="ADLaM Display" panose="020F0502020204030204" pitchFamily="2" charset="0"/>
+              <a:cs typeface="ADLaM Display" panose="020F0502020204030204" pitchFamily="2" charset="0"/>
+            </a:endParaRPr>
           </a:p>
         </p:txBody>
       </p:sp>
       <p:pic>
         <p:nvPicPr>
-          <p:cNvPr id="5" name="Picture 4" descr="A close-up of a person's hands holding a device&#10;&#10;Description automatically generated">
-            <a:extLst>
-              <a:ext uri="{FF2B5EF4-FFF2-40B4-BE49-F238E27FC236}">
-                <a16:creationId xmlns:a16="http://schemas.microsoft.com/office/drawing/2014/main" id="{9877D883-C87E-0A97-0CB1-C1B1CAF145B8}"/>
+          <p:cNvPr id="6" name="Picture 5" descr="A close-up of a person's hands holding a device&#10;&#10;Description automatically generated">
+            <a:extLst>
+              <a:ext uri="{FF2B5EF4-FFF2-40B4-BE49-F238E27FC236}">
+                <a16:creationId xmlns:a16="http://schemas.microsoft.com/office/drawing/2014/main" id="{484ECDCD-E65A-8D54-E15C-61BC96ECC639}"/>
               </a:ext>
             </a:extLst>
           </p:cNvPr>
@@ -3980,8 +3939,8 @@
         </p:blipFill>
         <p:spPr>
           <a:xfrm>
-            <a:off x="8116751" y="3075895"/>
-            <a:ext cx="3918948" cy="2857500"/>
+            <a:off x="8806952" y="2627341"/>
+            <a:ext cx="3539716" cy="2857500"/>
           </a:xfrm>
           <a:prstGeom prst="ellipse">
             <a:avLst/>
